--- a/Cafe_project/Райц Исследование рынка заведений общественного питания Москвы.pptx
+++ b/Cafe_project/Райц Исследование рынка заведений общественного питания Москвы.pptx
@@ -28,14 +28,14 @@
   <p:notesSz cx="6858000" cy="9144000"/>
   <p:embeddedFontLst>
     <p:embeddedFont>
-      <p:font typeface="Economica"/>
+      <p:font typeface="Cambria" panose="02040503050406030204" pitchFamily="18" charset="0"/>
       <p:regular r:id="rId18"/>
       <p:bold r:id="rId19"/>
       <p:italic r:id="rId20"/>
       <p:boldItalic r:id="rId21"/>
     </p:embeddedFont>
     <p:embeddedFont>
-      <p:font typeface="Cambria" panose="02040503050406030204" pitchFamily="18" charset="0"/>
+      <p:font typeface="Economica"/>
       <p:regular r:id="rId22"/>
       <p:bold r:id="rId23"/>
       <p:italic r:id="rId24"/>
@@ -9151,7 +9151,37 @@
                 <a:cs typeface="Arial"/>
                 <a:sym typeface="Arial"/>
               </a:rPr>
-              <a:t>- Большинство кофеин находятся в пределах 3 садового кольца. Поэтому стоит ориентироваться не только на округа Москвы. </a:t>
+              <a:t>- Большинство кофеин находятся в пределах 3 садового кольца. Поэтому стоит ориентироваться не только на округа </a:t>
+            </a:r>
+            <a:r>
+              <a:rPr lang="ru" sz="4400" dirty="0" smtClean="0">
+                <a:solidFill>
+                  <a:srgbClr val="000000"/>
+                </a:solidFill>
+                <a:highlight>
+                  <a:srgbClr val="FFFFFF"/>
+                </a:highlight>
+                <a:latin typeface="Arial"/>
+                <a:ea typeface="Arial"/>
+                <a:cs typeface="Arial"/>
+                <a:sym typeface="Arial"/>
+              </a:rPr>
+              <a:t>Москвы</a:t>
+            </a:r>
+            <a:r>
+              <a:rPr lang="ru-RU" sz="4400" dirty="0" smtClean="0">
+                <a:solidFill>
+                  <a:srgbClr val="000000"/>
+                </a:solidFill>
+                <a:highlight>
+                  <a:srgbClr val="FFFFFF"/>
+                </a:highlight>
+                <a:latin typeface="Arial"/>
+                <a:ea typeface="Arial"/>
+                <a:cs typeface="Arial"/>
+                <a:sym typeface="Arial"/>
+              </a:rPr>
+              <a:t>;</a:t>
             </a:r>
             <a:endParaRPr sz="4400" dirty="0">
               <a:solidFill>
@@ -9194,7 +9224,22 @@
                 <a:cs typeface="Arial"/>
                 <a:sym typeface="Arial"/>
               </a:rPr>
-              <a:t>- Есть популярные улицы среди кофеин: проспект Мира, Ленинградский проспект, Ленинский проспект, Профсоюзная улица, Каширское шоссе. Рядом с ними расположены достопримечательности города и парковые зоны. То есть люди целенаправленно едут туда, чтобы провести время. </a:t>
+              <a:t>- Есть популярные улицы среди кофеин: проспект Мира, Ленинградский проспект, Ленинский проспект, Профсоюзная улица, Каширское шоссе. Рядом с ними расположены достопримечательности города и парковые зоны. То есть люди целенаправленно едут туда, чтобы провести </a:t>
+            </a:r>
+            <a:r>
+              <a:rPr lang="ru" sz="4400" dirty="0" smtClean="0">
+                <a:solidFill>
+                  <a:srgbClr val="000000"/>
+                </a:solidFill>
+                <a:highlight>
+                  <a:srgbClr val="FFFFFF"/>
+                </a:highlight>
+                <a:latin typeface="Arial"/>
+                <a:ea typeface="Arial"/>
+                <a:cs typeface="Arial"/>
+                <a:sym typeface="Arial"/>
+              </a:rPr>
+              <a:t>время; </a:t>
             </a:r>
             <a:endParaRPr sz="4400" dirty="0">
               <a:solidFill>
@@ -9237,7 +9282,22 @@
                 <a:cs typeface="Arial"/>
                 <a:sym typeface="Arial"/>
               </a:rPr>
-              <a:t>- Среди популярных заведений по кофейням лидируют: 'one price coffee', 'cofix', 'кофепорт'.</a:t>
+              <a:t>- Среди популярных заведений по кофейням лидируют: 'one price coffee', 'cofix', </a:t>
+            </a:r>
+            <a:r>
+              <a:rPr lang="ru" sz="4400" dirty="0" smtClean="0">
+                <a:solidFill>
+                  <a:srgbClr val="000000"/>
+                </a:solidFill>
+                <a:highlight>
+                  <a:srgbClr val="FFFFFF"/>
+                </a:highlight>
+                <a:latin typeface="Arial"/>
+                <a:ea typeface="Arial"/>
+                <a:cs typeface="Arial"/>
+                <a:sym typeface="Arial"/>
+              </a:rPr>
+              <a:t>'кофепорт;</a:t>
             </a:r>
             <a:endParaRPr sz="4400" dirty="0">
               <a:solidFill>
@@ -9280,7 +9340,37 @@
                 <a:cs typeface="Arial"/>
                 <a:sym typeface="Arial"/>
               </a:rPr>
-              <a:t>- У них есть общее и это можно взять за основу нового кафе. Почти отсутствуют столики для гостей. Обычно люди берут кофе с собой. </a:t>
+              <a:t>- У них есть общее и это можно взять за основу нового кафе. Почти отсутствуют столики для гостей. Обычно люди берут кофе с </a:t>
+            </a:r>
+            <a:r>
+              <a:rPr lang="ru" sz="4400" dirty="0" smtClean="0">
+                <a:solidFill>
+                  <a:srgbClr val="000000"/>
+                </a:solidFill>
+                <a:highlight>
+                  <a:srgbClr val="FFFFFF"/>
+                </a:highlight>
+                <a:latin typeface="Arial"/>
+                <a:ea typeface="Arial"/>
+                <a:cs typeface="Arial"/>
+                <a:sym typeface="Arial"/>
+              </a:rPr>
+              <a:t>собой</a:t>
+            </a:r>
+            <a:r>
+              <a:rPr lang="ru" sz="4400" dirty="0">
+                <a:solidFill>
+                  <a:srgbClr val="000000"/>
+                </a:solidFill>
+                <a:highlight>
+                  <a:srgbClr val="FFFFFF"/>
+                </a:highlight>
+                <a:latin typeface="Arial"/>
+                <a:ea typeface="Arial"/>
+                <a:cs typeface="Arial"/>
+                <a:sym typeface="Arial"/>
+              </a:rPr>
+              <a:t>;</a:t>
             </a:r>
             <a:endParaRPr sz="4400" dirty="0">
               <a:solidFill>
@@ -9323,7 +9413,22 @@
                 <a:cs typeface="Arial"/>
                 <a:sym typeface="Arial"/>
               </a:rPr>
-              <a:t>- Также они устанавливают одну цену на разные напитки. Притом, что у них есть свои оригинальные напитки, но уже с другой ценовой политикой. Можно использовать этот метод. Создать пару оригинальных напитков и десертов,  которые будут завлекать клиента, но при этом на базовые напитки ставить одну цену. </a:t>
+              <a:t>- Также они устанавливают одну цену на разные напитки. Притом, что у них есть свои оригинальные напитки, но уже с другой ценовой политикой. Можно использовать этот метод. Создать пару оригинальных напитков и десертов,  которые будут завлекать клиента, но при этом на базовые напитки ставить одну </a:t>
+            </a:r>
+            <a:r>
+              <a:rPr lang="ru" sz="4400" dirty="0" smtClean="0">
+                <a:solidFill>
+                  <a:srgbClr val="000000"/>
+                </a:solidFill>
+                <a:highlight>
+                  <a:srgbClr val="FFFFFF"/>
+                </a:highlight>
+                <a:latin typeface="Arial"/>
+                <a:ea typeface="Arial"/>
+                <a:cs typeface="Arial"/>
+                <a:sym typeface="Arial"/>
+              </a:rPr>
+              <a:t>цену; </a:t>
             </a:r>
             <a:endParaRPr sz="4400" dirty="0">
               <a:solidFill>
@@ -9366,7 +9471,37 @@
                 <a:cs typeface="Arial"/>
                 <a:sym typeface="Arial"/>
               </a:rPr>
-              <a:t>- Цену на напитки рекомендуем ставить в зависимости от округа и популярности места.</a:t>
+              <a:t>- Цену на напитки рекомендуем ставить в зависимости от округа и </a:t>
+            </a:r>
+            <a:r>
+              <a:rPr lang="ru" sz="4400">
+                <a:solidFill>
+                  <a:srgbClr val="000000"/>
+                </a:solidFill>
+                <a:highlight>
+                  <a:srgbClr val="FFFFFF"/>
+                </a:highlight>
+                <a:latin typeface="Arial"/>
+                <a:ea typeface="Arial"/>
+                <a:cs typeface="Arial"/>
+                <a:sym typeface="Arial"/>
+              </a:rPr>
+              <a:t>популярности </a:t>
+            </a:r>
+            <a:r>
+              <a:rPr lang="ru" sz="4400" smtClean="0">
+                <a:solidFill>
+                  <a:srgbClr val="000000"/>
+                </a:solidFill>
+                <a:highlight>
+                  <a:srgbClr val="FFFFFF"/>
+                </a:highlight>
+                <a:latin typeface="Arial"/>
+                <a:ea typeface="Arial"/>
+                <a:cs typeface="Arial"/>
+                <a:sym typeface="Arial"/>
+              </a:rPr>
+              <a:t>места;</a:t>
             </a:r>
             <a:endParaRPr sz="4400" dirty="0">
               <a:solidFill>
